--- a/ca_team_project.pptx
+++ b/ca_team_project.pptx
@@ -5,10 +5,10 @@
     <p:sldMasterId id="2147484603" r:id="rId1"/>
   </p:sldMasterIdLst>
   <p:notesMasterIdLst>
-    <p:notesMasterId r:id="rId32"/>
+    <p:notesMasterId r:id="rId36"/>
   </p:notesMasterIdLst>
   <p:handoutMasterIdLst>
-    <p:handoutMasterId r:id="rId33"/>
+    <p:handoutMasterId r:id="rId37"/>
   </p:handoutMasterIdLst>
   <p:sldIdLst>
     <p:sldId id="261" r:id="rId2"/>
@@ -41,6 +41,10 @@
     <p:sldId id="323" r:id="rId29"/>
     <p:sldId id="287" r:id="rId30"/>
     <p:sldId id="314" r:id="rId31"/>
+    <p:sldId id="330" r:id="rId32"/>
+    <p:sldId id="329" r:id="rId33"/>
+    <p:sldId id="331" r:id="rId34"/>
+    <p:sldId id="332" r:id="rId35"/>
   </p:sldIdLst>
   <p:sldSz cx="12192000" cy="6858000"/>
   <p:notesSz cx="6858000" cy="9144000"/>
@@ -153,14 +157,242 @@
 <file path=ppt/revisionInfo.xml><?xml version="1.0" encoding="utf-8"?>
 <p1510:revInfo xmlns:a="http://schemas.openxmlformats.org/drawingml/2006/main" xmlns:r="http://schemas.openxmlformats.org/officeDocument/2006/relationships" xmlns:p1510="http://schemas.microsoft.com/office/powerpoint/2015/10/main">
   <p1510:revLst>
-    <p1510:client id="{001D13C5-9D96-8E5D-42B9-45652E5B7E6F}" v="42" dt="2024-05-31T02:31:43.137"/>
-    <p1510:client id="{6FEDBCBF-1F16-4C18-BECD-C703789FE8B4}" v="2840" dt="2024-05-30T18:11:06.987"/>
-    <p1510:client id="{8170AC68-2247-3A00-F8BB-24D1A6253480}" v="42" dt="2024-05-30T03:57:19.668"/>
-    <p1510:client id="{BEC9B73B-DE4E-5D1E-D0DC-F9CCADF2EC6F}" v="79" dt="2024-05-30T04:30:45.437"/>
-    <p1510:client id="{F82474BB-24D2-15B9-2F7A-F0F0A3C660AE}" v="4" dt="2024-05-31T00:26:33.421"/>
-    <p1510:client id="{FA819CEB-CCBF-4C19-9640-F6968FEEA84C}" v="622" dt="2024-05-31T00:26:03.149"/>
+    <p1510:client id="{34B925D6-2BA1-7656-EB80-E799E138A441}" v="521" dt="2024-06-10T09:21:11.836"/>
+    <p1510:client id="{66ADFAF3-D5B4-523B-653B-46E38FEB6282}" v="139" dt="2024-06-09T14:31:21.990"/>
   </p1510:revLst>
 </p1510:revInfo>
+</file>
+
+<file path=ppt/changesInfos/changesInfo1.xml><?xml version="1.0" encoding="utf-8"?>
+<pc:chgInfo xmlns:a="http://schemas.openxmlformats.org/drawingml/2006/main" xmlns:r="http://schemas.openxmlformats.org/officeDocument/2006/relationships" xmlns:ac="http://schemas.microsoft.com/office/drawing/2013/main/command" xmlns:pc="http://schemas.microsoft.com/office/powerpoint/2013/main/command">
+  <pc:docChgLst>
+    <pc:chgData name="樂仁 陳" userId="1cc323579d1c94f1" providerId="Windows Live" clId="Web-{66ADFAF3-D5B4-523B-653B-46E38FEB6282}"/>
+    <pc:docChg chg="modSld">
+      <pc:chgData name="樂仁 陳" userId="1cc323579d1c94f1" providerId="Windows Live" clId="Web-{66ADFAF3-D5B4-523B-653B-46E38FEB6282}" dt="2024-06-09T14:31:21.990" v="133" actId="20577"/>
+      <pc:docMkLst>
+        <pc:docMk/>
+      </pc:docMkLst>
+      <pc:sldChg chg="modSp">
+        <pc:chgData name="樂仁 陳" userId="1cc323579d1c94f1" providerId="Windows Live" clId="Web-{66ADFAF3-D5B4-523B-653B-46E38FEB6282}" dt="2024-06-09T14:31:21.990" v="133" actId="20577"/>
+        <pc:sldMkLst>
+          <pc:docMk/>
+          <pc:sldMk cId="1621817109" sldId="314"/>
+        </pc:sldMkLst>
+        <pc:spChg chg="mod">
+          <ac:chgData name="樂仁 陳" userId="1cc323579d1c94f1" providerId="Windows Live" clId="Web-{66ADFAF3-D5B4-523B-653B-46E38FEB6282}" dt="2024-06-09T12:45:13.036" v="18" actId="20577"/>
+          <ac:spMkLst>
+            <pc:docMk/>
+            <pc:sldMk cId="1621817109" sldId="314"/>
+            <ac:spMk id="2" creationId="{871BE602-A1AC-44B3-A7C5-ACAA97F85F7B}"/>
+          </ac:spMkLst>
+        </pc:spChg>
+        <pc:spChg chg="mod">
+          <ac:chgData name="樂仁 陳" userId="1cc323579d1c94f1" providerId="Windows Live" clId="Web-{66ADFAF3-D5B4-523B-653B-46E38FEB6282}" dt="2024-06-09T14:31:21.990" v="133" actId="20577"/>
+          <ac:spMkLst>
+            <pc:docMk/>
+            <pc:sldMk cId="1621817109" sldId="314"/>
+            <ac:spMk id="3" creationId="{948807CA-A469-43A7-9C10-9D3A8F7133B4}"/>
+          </ac:spMkLst>
+        </pc:spChg>
+      </pc:sldChg>
+    </pc:docChg>
+  </pc:docChgLst>
+  <pc:docChgLst>
+    <pc:chgData name="樂仁 陳" userId="1cc323579d1c94f1" providerId="Windows Live" clId="Web-{34B925D6-2BA1-7656-EB80-E799E138A441}"/>
+    <pc:docChg chg="addSld modSld sldOrd">
+      <pc:chgData name="樂仁 陳" userId="1cc323579d1c94f1" providerId="Windows Live" clId="Web-{34B925D6-2BA1-7656-EB80-E799E138A441}" dt="2024-06-10T09:21:11.836" v="512" actId="20577"/>
+      <pc:docMkLst>
+        <pc:docMk/>
+      </pc:docMkLst>
+      <pc:sldChg chg="modSp">
+        <pc:chgData name="樂仁 陳" userId="1cc323579d1c94f1" providerId="Windows Live" clId="Web-{34B925D6-2BA1-7656-EB80-E799E138A441}" dt="2024-06-10T07:05:28.734" v="6" actId="20577"/>
+        <pc:sldMkLst>
+          <pc:docMk/>
+          <pc:sldMk cId="101020161" sldId="261"/>
+        </pc:sldMkLst>
+        <pc:spChg chg="mod">
+          <ac:chgData name="樂仁 陳" userId="1cc323579d1c94f1" providerId="Windows Live" clId="Web-{34B925D6-2BA1-7656-EB80-E799E138A441}" dt="2024-06-10T07:05:28.734" v="6" actId="20577"/>
+          <ac:spMkLst>
+            <pc:docMk/>
+            <pc:sldMk cId="101020161" sldId="261"/>
+            <ac:spMk id="2" creationId="{847B1B11-6B91-42C5-AB22-430D36B364B4}"/>
+          </ac:spMkLst>
+        </pc:spChg>
+      </pc:sldChg>
+      <pc:sldChg chg="modSp">
+        <pc:chgData name="樂仁 陳" userId="1cc323579d1c94f1" providerId="Windows Live" clId="Web-{34B925D6-2BA1-7656-EB80-E799E138A441}" dt="2024-06-10T09:21:11.836" v="512" actId="20577"/>
+        <pc:sldMkLst>
+          <pc:docMk/>
+          <pc:sldMk cId="1621817109" sldId="314"/>
+        </pc:sldMkLst>
+        <pc:spChg chg="mod">
+          <ac:chgData name="樂仁 陳" userId="1cc323579d1c94f1" providerId="Windows Live" clId="Web-{34B925D6-2BA1-7656-EB80-E799E138A441}" dt="2024-06-10T09:21:11.836" v="512" actId="20577"/>
+          <ac:spMkLst>
+            <pc:docMk/>
+            <pc:sldMk cId="1621817109" sldId="314"/>
+            <ac:spMk id="3" creationId="{948807CA-A469-43A7-9C10-9D3A8F7133B4}"/>
+          </ac:spMkLst>
+        </pc:spChg>
+      </pc:sldChg>
+      <pc:sldChg chg="addSp delSp modSp new">
+        <pc:chgData name="樂仁 陳" userId="1cc323579d1c94f1" providerId="Windows Live" clId="Web-{34B925D6-2BA1-7656-EB80-E799E138A441}" dt="2024-06-10T07:10:49.819" v="51" actId="20577"/>
+        <pc:sldMkLst>
+          <pc:docMk/>
+          <pc:sldMk cId="155509410" sldId="329"/>
+        </pc:sldMkLst>
+        <pc:spChg chg="mod">
+          <ac:chgData name="樂仁 陳" userId="1cc323579d1c94f1" providerId="Windows Live" clId="Web-{34B925D6-2BA1-7656-EB80-E799E138A441}" dt="2024-06-10T07:10:49.819" v="51" actId="20577"/>
+          <ac:spMkLst>
+            <pc:docMk/>
+            <pc:sldMk cId="155509410" sldId="329"/>
+            <ac:spMk id="2" creationId="{C096E1EB-EAD4-1D4D-F7F9-BD5A77BA13AC}"/>
+          </ac:spMkLst>
+        </pc:spChg>
+        <pc:spChg chg="add del">
+          <ac:chgData name="樂仁 陳" userId="1cc323579d1c94f1" providerId="Windows Live" clId="Web-{34B925D6-2BA1-7656-EB80-E799E138A441}" dt="2024-06-10T07:07:05.866" v="24"/>
+          <ac:spMkLst>
+            <pc:docMk/>
+            <pc:sldMk cId="155509410" sldId="329"/>
+            <ac:spMk id="3" creationId="{30B2AA31-242B-9B86-D9CD-2B994EAF14DA}"/>
+          </ac:spMkLst>
+        </pc:spChg>
+        <pc:picChg chg="add del mod ord">
+          <ac:chgData name="樂仁 陳" userId="1cc323579d1c94f1" providerId="Windows Live" clId="Web-{34B925D6-2BA1-7656-EB80-E799E138A441}" dt="2024-06-10T07:06:58.241" v="23"/>
+          <ac:picMkLst>
+            <pc:docMk/>
+            <pc:sldMk cId="155509410" sldId="329"/>
+            <ac:picMk id="4" creationId="{529EC945-E42D-5AE0-2336-3C4F7FDABF91}"/>
+          </ac:picMkLst>
+        </pc:picChg>
+        <pc:picChg chg="add mod ord">
+          <ac:chgData name="樂仁 陳" userId="1cc323579d1c94f1" providerId="Windows Live" clId="Web-{34B925D6-2BA1-7656-EB80-E799E138A441}" dt="2024-06-10T07:09:37.455" v="37" actId="1076"/>
+          <ac:picMkLst>
+            <pc:docMk/>
+            <pc:sldMk cId="155509410" sldId="329"/>
+            <ac:picMk id="5" creationId="{4567F231-8566-AD0C-FA2A-9466BD562796}"/>
+          </ac:picMkLst>
+        </pc:picChg>
+        <pc:picChg chg="add del mod">
+          <ac:chgData name="樂仁 陳" userId="1cc323579d1c94f1" providerId="Windows Live" clId="Web-{34B925D6-2BA1-7656-EB80-E799E138A441}" dt="2024-06-10T07:07:25.461" v="27"/>
+          <ac:picMkLst>
+            <pc:docMk/>
+            <pc:sldMk cId="155509410" sldId="329"/>
+            <ac:picMk id="6" creationId="{24690DA4-9FBF-F7EA-4B48-345BA1CB77F4}"/>
+          </ac:picMkLst>
+        </pc:picChg>
+        <pc:picChg chg="add mod">
+          <ac:chgData name="樂仁 陳" userId="1cc323579d1c94f1" providerId="Windows Live" clId="Web-{34B925D6-2BA1-7656-EB80-E799E138A441}" dt="2024-06-10T07:07:36.696" v="29" actId="1076"/>
+          <ac:picMkLst>
+            <pc:docMk/>
+            <pc:sldMk cId="155509410" sldId="329"/>
+            <ac:picMk id="7" creationId="{D06BC383-4C94-CE26-9F18-81F514DA3111}"/>
+          </ac:picMkLst>
+        </pc:picChg>
+      </pc:sldChg>
+      <pc:sldChg chg="addSp delSp modSp add ord replId">
+        <pc:chgData name="樂仁 陳" userId="1cc323579d1c94f1" providerId="Windows Live" clId="Web-{34B925D6-2BA1-7656-EB80-E799E138A441}" dt="2024-06-10T08:29:57.494" v="325" actId="20577"/>
+        <pc:sldMkLst>
+          <pc:docMk/>
+          <pc:sldMk cId="2645555251" sldId="330"/>
+        </pc:sldMkLst>
+        <pc:spChg chg="add mod">
+          <ac:chgData name="樂仁 陳" userId="1cc323579d1c94f1" providerId="Windows Live" clId="Web-{34B925D6-2BA1-7656-EB80-E799E138A441}" dt="2024-06-10T08:29:57.494" v="325" actId="20577"/>
+          <ac:spMkLst>
+            <pc:docMk/>
+            <pc:sldMk cId="2645555251" sldId="330"/>
+            <ac:spMk id="4" creationId="{41DEDF33-001C-D6BB-8EB0-6BA8E1591EB9}"/>
+          </ac:spMkLst>
+        </pc:spChg>
+        <pc:picChg chg="del">
+          <ac:chgData name="樂仁 陳" userId="1cc323579d1c94f1" providerId="Windows Live" clId="Web-{34B925D6-2BA1-7656-EB80-E799E138A441}" dt="2024-06-10T07:09:20.766" v="32"/>
+          <ac:picMkLst>
+            <pc:docMk/>
+            <pc:sldMk cId="2645555251" sldId="330"/>
+            <ac:picMk id="5" creationId="{4567F231-8566-AD0C-FA2A-9466BD562796}"/>
+          </ac:picMkLst>
+        </pc:picChg>
+        <pc:picChg chg="del">
+          <ac:chgData name="樂仁 陳" userId="1cc323579d1c94f1" providerId="Windows Live" clId="Web-{34B925D6-2BA1-7656-EB80-E799E138A441}" dt="2024-06-10T07:09:21.548" v="33"/>
+          <ac:picMkLst>
+            <pc:docMk/>
+            <pc:sldMk cId="2645555251" sldId="330"/>
+            <ac:picMk id="7" creationId="{D06BC383-4C94-CE26-9F18-81F514DA3111}"/>
+          </ac:picMkLst>
+        </pc:picChg>
+      </pc:sldChg>
+      <pc:sldChg chg="addSp delSp modSp add replId">
+        <pc:chgData name="樂仁 陳" userId="1cc323579d1c94f1" providerId="Windows Live" clId="Web-{34B925D6-2BA1-7656-EB80-E799E138A441}" dt="2024-06-10T07:11:25.150" v="60" actId="1076"/>
+        <pc:sldMkLst>
+          <pc:docMk/>
+          <pc:sldMk cId="648954047" sldId="331"/>
+        </pc:sldMkLst>
+        <pc:spChg chg="mod">
+          <ac:chgData name="樂仁 陳" userId="1cc323579d1c94f1" providerId="Windows Live" clId="Web-{34B925D6-2BA1-7656-EB80-E799E138A441}" dt="2024-06-10T07:10:57.117" v="54" actId="20577"/>
+          <ac:spMkLst>
+            <pc:docMk/>
+            <pc:sldMk cId="648954047" sldId="331"/>
+            <ac:spMk id="2" creationId="{C096E1EB-EAD4-1D4D-F7F9-BD5A77BA13AC}"/>
+          </ac:spMkLst>
+        </pc:spChg>
+        <pc:spChg chg="add del mod">
+          <ac:chgData name="樂仁 陳" userId="1cc323579d1c94f1" providerId="Windows Live" clId="Web-{34B925D6-2BA1-7656-EB80-E799E138A441}" dt="2024-06-10T07:11:22.447" v="59"/>
+          <ac:spMkLst>
+            <pc:docMk/>
+            <pc:sldMk cId="648954047" sldId="331"/>
+            <ac:spMk id="6" creationId="{08FC06E7-8A69-A7B6-4821-3D6CC0D24CA1}"/>
+          </ac:spMkLst>
+        </pc:spChg>
+        <pc:picChg chg="add mod">
+          <ac:chgData name="樂仁 陳" userId="1cc323579d1c94f1" providerId="Windows Live" clId="Web-{34B925D6-2BA1-7656-EB80-E799E138A441}" dt="2024-06-10T07:11:11.321" v="57" actId="1076"/>
+          <ac:picMkLst>
+            <pc:docMk/>
+            <pc:sldMk cId="648954047" sldId="331"/>
+            <ac:picMk id="3" creationId="{29562426-39F0-FB5B-32EC-557BD9641D8B}"/>
+          </ac:picMkLst>
+        </pc:picChg>
+        <pc:picChg chg="del">
+          <ac:chgData name="樂仁 陳" userId="1cc323579d1c94f1" providerId="Windows Live" clId="Web-{34B925D6-2BA1-7656-EB80-E799E138A441}" dt="2024-06-10T07:11:09.493" v="56"/>
+          <ac:picMkLst>
+            <pc:docMk/>
+            <pc:sldMk cId="648954047" sldId="331"/>
+            <ac:picMk id="5" creationId="{4567F231-8566-AD0C-FA2A-9466BD562796}"/>
+          </ac:picMkLst>
+        </pc:picChg>
+        <pc:picChg chg="del">
+          <ac:chgData name="樂仁 陳" userId="1cc323579d1c94f1" providerId="Windows Live" clId="Web-{34B925D6-2BA1-7656-EB80-E799E138A441}" dt="2024-06-10T07:11:15.931" v="58"/>
+          <ac:picMkLst>
+            <pc:docMk/>
+            <pc:sldMk cId="648954047" sldId="331"/>
+            <ac:picMk id="7" creationId="{D06BC383-4C94-CE26-9F18-81F514DA3111}"/>
+          </ac:picMkLst>
+        </pc:picChg>
+        <pc:picChg chg="add mod ord">
+          <ac:chgData name="樂仁 陳" userId="1cc323579d1c94f1" providerId="Windows Live" clId="Web-{34B925D6-2BA1-7656-EB80-E799E138A441}" dt="2024-06-10T07:11:25.150" v="60" actId="1076"/>
+          <ac:picMkLst>
+            <pc:docMk/>
+            <pc:sldMk cId="648954047" sldId="331"/>
+            <ac:picMk id="8" creationId="{902825A1-CC34-E2C6-BDC3-A6CB1D1A0DCF}"/>
+          </ac:picMkLst>
+        </pc:picChg>
+      </pc:sldChg>
+      <pc:sldChg chg="modSp add replId">
+        <pc:chgData name="樂仁 陳" userId="1cc323579d1c94f1" providerId="Windows Live" clId="Web-{34B925D6-2BA1-7656-EB80-E799E138A441}" dt="2024-06-10T08:54:15.546" v="496" actId="20577"/>
+        <pc:sldMkLst>
+          <pc:docMk/>
+          <pc:sldMk cId="1588401843" sldId="332"/>
+        </pc:sldMkLst>
+        <pc:spChg chg="mod">
+          <ac:chgData name="樂仁 陳" userId="1cc323579d1c94f1" providerId="Windows Live" clId="Web-{34B925D6-2BA1-7656-EB80-E799E138A441}" dt="2024-06-10T08:54:15.546" v="496" actId="20577"/>
+          <ac:spMkLst>
+            <pc:docMk/>
+            <pc:sldMk cId="1588401843" sldId="332"/>
+            <ac:spMk id="4" creationId="{41DEDF33-001C-D6BB-8EB0-6BA8E1591EB9}"/>
+          </ac:spMkLst>
+        </pc:spChg>
+      </pc:sldChg>
+    </pc:docChg>
+  </pc:docChgLst>
+</pc:chgInfo>
 </file>
 
 <file path=ppt/handoutMasters/handoutMaster1.xml><?xml version="1.0" encoding="utf-8"?>
@@ -263,7 +495,7 @@
                 <a:latin typeface="Microsoft JhengHei UI" panose="020B0604030504040204" pitchFamily="34" charset="-120"/>
                 <a:ea typeface="Microsoft JhengHei UI" panose="020B0604030504040204" pitchFamily="34" charset="-120"/>
               </a:rPr>
-              <a:t>2024/5/31</a:t>
+              <a:t>2024/6/10</a:t>
             </a:fld>
             <a:endParaRPr lang="zh-TW" altLang="en-US">
               <a:latin typeface="Microsoft JhengHei UI" panose="020B0604030504040204" pitchFamily="34" charset="-120"/>
@@ -686,7 +918,7 @@
           <a:p>
             <a:fld id="{A1429DED-2A88-41BA-B704-A232147EEEF4}" type="datetime1">
               <a:rPr lang="zh-TW" altLang="en-US" smtClean="0"/>
-              <a:t>2024/5/31</a:t>
+              <a:t>2024/6/10</a:t>
             </a:fld>
             <a:endParaRPr lang="zh-TW" altLang="en-US">
               <a:latin typeface="Microsoft JhengHei UI" panose="020B0604030504040204" pitchFamily="34" charset="-120"/>
@@ -1326,7 +1558,7 @@
           <a:p>
             <a:fld id="{DDA51639-B2D6-4652-B8C3-1B4C224A7BAF}" type="datetimeFigureOut">
               <a:rPr lang="en-US" smtClean="0"/>
-              <a:t>5/31/2024</a:t>
+              <a:t>6/10/2024</a:t>
             </a:fld>
             <a:endParaRPr lang="en-US"/>
           </a:p>
@@ -1665,7 +1897,7 @@
           <a:p>
             <a:fld id="{CBC48EC7-AF6A-48D3-8284-14BACBEBDD84}" type="datetimeFigureOut">
               <a:rPr lang="en-US" smtClean="0"/>
-              <a:t>5/31/2024</a:t>
+              <a:t>6/10/2024</a:t>
             </a:fld>
             <a:endParaRPr lang="en-US"/>
           </a:p>
@@ -2068,7 +2300,7 @@
           <a:p>
             <a:fld id="{CBC48EC7-AF6A-48D3-8284-14BACBEBDD84}" type="datetimeFigureOut">
               <a:rPr lang="en-US" smtClean="0"/>
-              <a:t>5/31/2024</a:t>
+              <a:t>6/10/2024</a:t>
             </a:fld>
             <a:endParaRPr lang="en-US"/>
           </a:p>
@@ -2406,7 +2638,7 @@
           <a:p>
             <a:fld id="{CBC48EC7-AF6A-48D3-8284-14BACBEBDD84}" type="datetimeFigureOut">
               <a:rPr lang="en-US" smtClean="0"/>
-              <a:t>5/31/2024</a:t>
+              <a:t>6/10/2024</a:t>
             </a:fld>
             <a:endParaRPr lang="en-US"/>
           </a:p>
@@ -2728,7 +2960,7 @@
           <a:p>
             <a:fld id="{CBC48EC7-AF6A-48D3-8284-14BACBEBDD84}" type="datetimeFigureOut">
               <a:rPr lang="en-US" smtClean="0"/>
-              <a:t>5/31/2024</a:t>
+              <a:t>6/10/2024</a:t>
             </a:fld>
             <a:endParaRPr lang="en-US"/>
           </a:p>
@@ -3126,7 +3358,7 @@
           <a:p>
             <a:fld id="{CBC48EC7-AF6A-48D3-8284-14BACBEBDD84}" type="datetimeFigureOut">
               <a:rPr lang="en-US" smtClean="0"/>
-              <a:t>5/31/2024</a:t>
+              <a:t>6/10/2024</a:t>
             </a:fld>
             <a:endParaRPr lang="en-US"/>
           </a:p>
@@ -3385,7 +3617,7 @@
           <a:p>
             <a:fld id="{CBC48EC7-AF6A-48D3-8284-14BACBEBDD84}" type="datetimeFigureOut">
               <a:rPr lang="en-US" smtClean="0"/>
-              <a:t>5/31/2024</a:t>
+              <a:t>6/10/2024</a:t>
             </a:fld>
             <a:endParaRPr lang="en-US"/>
           </a:p>
@@ -3649,7 +3881,7 @@
           <a:p>
             <a:fld id="{CBC48EC7-AF6A-48D3-8284-14BACBEBDD84}" type="datetimeFigureOut">
               <a:rPr lang="en-US" smtClean="0"/>
-              <a:t>5/31/2024</a:t>
+              <a:t>6/10/2024</a:t>
             </a:fld>
             <a:endParaRPr lang="en-US"/>
           </a:p>
@@ -3913,7 +4145,7 @@
           <a:p>
             <a:fld id="{CBC48EC7-AF6A-48D3-8284-14BACBEBDD84}" type="datetimeFigureOut">
               <a:rPr lang="en-US" smtClean="0"/>
-              <a:t>5/31/2024</a:t>
+              <a:t>6/10/2024</a:t>
             </a:fld>
             <a:endParaRPr lang="en-US"/>
           </a:p>
@@ -4244,7 +4476,7 @@
           <a:p>
             <a:fld id="{C44961B7-6B89-48AB-966F-622E2788EECC}" type="datetimeFigureOut">
               <a:rPr lang="en-US" smtClean="0"/>
-              <a:t>5/31/2024</a:t>
+              <a:t>6/10/2024</a:t>
             </a:fld>
             <a:endParaRPr lang="en-US"/>
           </a:p>
@@ -4567,7 +4799,7 @@
           <a:p>
             <a:fld id="{CBC48EC7-AF6A-48D3-8284-14BACBEBDD84}" type="datetimeFigureOut">
               <a:rPr lang="en-US" smtClean="0"/>
-              <a:t>5/31/2024</a:t>
+              <a:t>6/10/2024</a:t>
             </a:fld>
             <a:endParaRPr lang="en-US"/>
           </a:p>
@@ -5026,7 +5258,7 @@
           <a:p>
             <a:fld id="{CBC48EC7-AF6A-48D3-8284-14BACBEBDD84}" type="datetimeFigureOut">
               <a:rPr lang="en-US" smtClean="0"/>
-              <a:t>5/31/2024</a:t>
+              <a:t>6/10/2024</a:t>
             </a:fld>
             <a:endParaRPr lang="en-US"/>
           </a:p>
@@ -5233,7 +5465,7 @@
           <a:p>
             <a:fld id="{10B90D90-AA62-404D-A741-635B4370F9CB}" type="datetimeFigureOut">
               <a:rPr lang="en-US" smtClean="0"/>
-              <a:t>5/31/2024</a:t>
+              <a:t>6/10/2024</a:t>
             </a:fld>
             <a:endParaRPr lang="en-US"/>
           </a:p>
@@ -5410,7 +5642,7 @@
           <a:p>
             <a:fld id="{A57002E4-6836-46D1-9DBB-3C27C0DD3A89}" type="datetimeFigureOut">
               <a:rPr lang="en-US" smtClean="0"/>
-              <a:t>5/31/2024</a:t>
+              <a:t>6/10/2024</a:t>
             </a:fld>
             <a:endParaRPr lang="en-US"/>
           </a:p>
@@ -5743,7 +5975,7 @@
           <a:p>
             <a:fld id="{CBC48EC7-AF6A-48D3-8284-14BACBEBDD84}" type="datetimeFigureOut">
               <a:rPr lang="en-US" smtClean="0"/>
-              <a:t>5/31/2024</a:t>
+              <a:t>6/10/2024</a:t>
             </a:fld>
             <a:endParaRPr lang="en-US"/>
           </a:p>
@@ -6090,7 +6322,7 @@
           <a:p>
             <a:fld id="{AB334A90-EB03-42F3-8859-2C2B2724C058}" type="datetimeFigureOut">
               <a:rPr lang="en-US" smtClean="0"/>
-              <a:t>5/31/2024</a:t>
+              <a:t>6/10/2024</a:t>
             </a:fld>
             <a:endParaRPr lang="en-US"/>
           </a:p>
@@ -8208,7 +8440,7 @@
           <a:p>
             <a:fld id="{CBC48EC7-AF6A-48D3-8284-14BACBEBDD84}" type="datetimeFigureOut">
               <a:rPr lang="en-US" smtClean="0"/>
-              <a:t>5/31/2024</a:t>
+              <a:t>6/10/2024</a:t>
             </a:fld>
             <a:endParaRPr lang="en-US"/>
           </a:p>
@@ -8762,35 +8994,36 @@
               </a:lnSpc>
             </a:pPr>
             <a:r>
-              <a:rPr lang="en-US" sz="3600">
+              <a:rPr lang="en-US" sz="3600" dirty="0">
                 <a:ea typeface="+mj-lt"/>
                 <a:cs typeface="+mj-lt"/>
               </a:rPr>
-              <a:t>Final Projects </a:t>
-            </a:r>
-            <a:r>
-              <a:rPr lang="en-US" sz="3600">
+              <a:t>Final Report </a:t>
+            </a:r>
+            <a:r>
+              <a:rPr lang="en-US" sz="3600" dirty="0">
                 <a:ea typeface="微軟正黑體"/>
+                <a:cs typeface="+mj-lt"/>
               </a:rPr>
               <a:t>Project-I</a:t>
             </a:r>
             <a:r>
-              <a:rPr lang="en-US" altLang="zh-TW" sz="3600">
+              <a:rPr lang="en-US" altLang="zh-TW" sz="3600" dirty="0">
                 <a:ea typeface="微軟正黑體"/>
               </a:rPr>
               <a:t>:</a:t>
             </a:r>
             <a:br>
-              <a:rPr lang="en-US" altLang="zh-TW" sz="3600"/>
+              <a:rPr lang="en-US" altLang="zh-TW" sz="3600" dirty="0"/>
             </a:br>
             <a:r>
-              <a:rPr lang="en-US" altLang="zh-TW" sz="2400">
+              <a:rPr lang="en-US" altLang="zh-TW" sz="2400" dirty="0">
                 <a:ea typeface="微軟正黑體"/>
               </a:rPr>
               <a:t>High-order Data Reconstruction in Hydro</a:t>
             </a:r>
             <a:br>
-              <a:rPr lang="en-US" altLang="zh-TW" sz="2400">
+              <a:rPr lang="en-US" altLang="zh-TW" sz="2400" dirty="0">
                 <a:ea typeface="微軟正黑體"/>
               </a:rPr>
             </a:br>
@@ -14057,17 +14290,17 @@
           <a:lstStyle/>
           <a:p>
             <a:r>
-              <a:rPr lang="en-US" altLang="zh-TW">
+              <a:rPr lang="en-US" altLang="zh-TW" dirty="0" err="1">
                 <a:solidFill>
                   <a:prstClr val="black">
                     <a:lumMod val="85000"/>
                     <a:lumOff val="15000"/>
                   </a:prstClr>
                 </a:solidFill>
+                <a:ea typeface="微軟正黑體"/>
               </a:rPr>
-              <a:t>Back up</a:t>
-            </a:r>
-            <a:endParaRPr lang="zh-TW" altLang="en-US"/>
+              <a:t>工作分配表</a:t>
+            </a:r>
           </a:p>
         </p:txBody>
       </p:sp>
@@ -14089,10 +14322,12 @@
         </p:nvSpPr>
         <p:spPr/>
         <p:txBody>
-          <a:bodyPr/>
+          <a:bodyPr vert="horz" lIns="91440" tIns="45720" rIns="91440" bIns="45720" rtlCol="0" anchor="t">
+            <a:normAutofit/>
+          </a:bodyPr>
           <a:lstStyle/>
           <a:p>
-            <a:pPr lvl="0">
+            <a:pPr>
               <a:lnSpc>
                 <a:spcPct val="150000"/>
               </a:lnSpc>
@@ -14101,19 +14336,20 @@
               </a:buClr>
             </a:pPr>
             <a:r>
-              <a:rPr lang="en-US" altLang="zh-TW">
+              <a:rPr lang="en-US" altLang="zh-TW" dirty="0">
                 <a:solidFill>
                   <a:prstClr val="black">
                     <a:lumMod val="75000"/>
                     <a:lumOff val="25000"/>
                   </a:prstClr>
                 </a:solidFill>
+                <a:ea typeface="微軟正黑體"/>
               </a:rPr>
-              <a:t>Mixings are not just appear in one single moment, it should continue happen at whole turbulence duration. </a:t>
-            </a:r>
-          </a:p>
-          <a:p>
-            <a:pPr lvl="0">
+              <a:t>陳樂仁：PPT製作，口頭報告，Gauss Process and WENO implementation.</a:t>
+            </a:r>
+          </a:p>
+          <a:p>
+            <a:pPr>
               <a:lnSpc>
                 <a:spcPct val="150000"/>
               </a:lnSpc>
@@ -14122,37 +14358,123 @@
               </a:buClr>
             </a:pPr>
             <a:r>
-              <a:rPr lang="en-US" altLang="zh-TW">
+              <a:rPr lang="en-US" altLang="zh-TW" dirty="0">
                 <a:solidFill>
                   <a:prstClr val="black">
                     <a:lumMod val="75000"/>
                     <a:lumOff val="25000"/>
                   </a:prstClr>
                 </a:solidFill>
+                <a:ea typeface="微軟正黑體"/>
               </a:rPr>
-              <a:t>The mixing duration </a:t>
-            </a:r>
-            <a:r>
-              <a:rPr lang="zh-TW" altLang="en-US">
+              <a:t>郭存淞：Code translating, parallelizing code,</a:t>
+            </a:r>
+            <a:r>
+              <a:rPr lang="en-US" altLang="zh-TW" dirty="0">
                 <a:solidFill>
                   <a:prstClr val="black">
                     <a:lumMod val="75000"/>
                     <a:lumOff val="25000"/>
                   </a:prstClr>
                 </a:solidFill>
+                <a:ea typeface="微軟正黑體"/>
+                <a:cs typeface="+mn-lt"/>
               </a:rPr>
-              <a:t>𝑇𝑑 </a:t>
-            </a:r>
-            <a:r>
-              <a:rPr lang="en-US" altLang="zh-TW">
+              <a:t> </a:t>
+            </a:r>
+            <a:r>
+              <a:rPr lang="en-US" altLang="zh-TW" dirty="0" err="1">
                 <a:solidFill>
                   <a:prstClr val="black">
                     <a:lumMod val="75000"/>
                     <a:lumOff val="25000"/>
                   </a:prstClr>
                 </a:solidFill>
+                <a:ea typeface="微軟正黑體"/>
+                <a:cs typeface="+mn-lt"/>
               </a:rPr>
-              <a:t>could meant other idea - how long the turbulence within ejecta that cause mixing. Though hey might have similar reaction model.</a:t>
+              <a:t>Github</a:t>
+            </a:r>
+            <a:r>
+              <a:rPr lang="en-US" altLang="zh-TW" dirty="0">
+                <a:solidFill>
+                  <a:prstClr val="black">
+                    <a:lumMod val="75000"/>
+                    <a:lumOff val="25000"/>
+                  </a:prstClr>
+                </a:solidFill>
+                <a:ea typeface="微軟正黑體"/>
+                <a:cs typeface="+mn-lt"/>
+              </a:rPr>
+              <a:t> organized.</a:t>
+            </a:r>
+            <a:endParaRPr lang="en-US" altLang="zh-TW" dirty="0">
+              <a:solidFill>
+                <a:prstClr val="black">
+                  <a:lumMod val="75000"/>
+                  <a:lumOff val="25000"/>
+                </a:prstClr>
+              </a:solidFill>
+              <a:ea typeface="微軟正黑體"/>
+            </a:endParaRPr>
+          </a:p>
+          <a:p>
+            <a:pPr>
+              <a:lnSpc>
+                <a:spcPct val="150000"/>
+              </a:lnSpc>
+              <a:buClr>
+                <a:srgbClr val="A53010"/>
+              </a:buClr>
+            </a:pPr>
+            <a:r>
+              <a:rPr lang="en-US" altLang="zh-TW" dirty="0" err="1">
+                <a:solidFill>
+                  <a:prstClr val="black">
+                    <a:lumMod val="75000"/>
+                    <a:lumOff val="25000"/>
+                  </a:prstClr>
+                </a:solidFill>
+                <a:ea typeface="微軟正黑體"/>
+              </a:rPr>
+              <a:t>高子禹：Piecewise-Parabolic</a:t>
+            </a:r>
+            <a:r>
+              <a:rPr lang="en-US" altLang="zh-TW" dirty="0">
+                <a:solidFill>
+                  <a:prstClr val="black">
+                    <a:lumMod val="75000"/>
+                    <a:lumOff val="25000"/>
+                  </a:prstClr>
+                </a:solidFill>
+                <a:ea typeface="微軟正黑體"/>
+              </a:rPr>
+              <a:t> Method (PPM) </a:t>
+            </a:r>
+            <a:r>
+              <a:rPr lang="en-US" altLang="zh-TW" dirty="0">
+                <a:solidFill>
+                  <a:prstClr val="black">
+                    <a:lumMod val="75000"/>
+                    <a:lumOff val="25000"/>
+                  </a:prstClr>
+                </a:solidFill>
+                <a:ea typeface="微軟正黑體"/>
+                <a:cs typeface="+mn-lt"/>
+              </a:rPr>
+              <a:t>analytical and numerical </a:t>
+            </a:r>
+            <a:r>
+              <a:rPr lang="en-US" dirty="0">
+                <a:solidFill>
+                  <a:prstClr val="black">
+                    <a:lumMod val="75000"/>
+                    <a:lumOff val="25000"/>
+                  </a:prstClr>
+                </a:solidFill>
+                <a:ea typeface="微軟正黑體"/>
+              </a:rPr>
+              <a:t>implementation.</a:t>
             </a:r>
           </a:p>
           <a:p>
@@ -14164,6 +14486,515 @@
     <p:extLst>
       <p:ext uri="{BB962C8B-B14F-4D97-AF65-F5344CB8AC3E}">
         <p14:creationId xmlns:p14="http://schemas.microsoft.com/office/powerpoint/2010/main" val="1621817109"/>
+      </p:ext>
+    </p:extLst>
+  </p:cSld>
+  <p:clrMapOvr>
+    <a:masterClrMapping/>
+  </p:clrMapOvr>
+</p:sld>
+</file>
+
+<file path=ppt/slides/slide31.xml><?xml version="1.0" encoding="utf-8"?>
+<p:sld xmlns:a="http://schemas.openxmlformats.org/drawingml/2006/main" xmlns:r="http://schemas.openxmlformats.org/officeDocument/2006/relationships" xmlns:p="http://schemas.openxmlformats.org/presentationml/2006/main">
+  <p:cSld>
+    <p:spTree>
+      <p:nvGrpSpPr>
+        <p:cNvPr id="1" name=""/>
+        <p:cNvGrpSpPr/>
+        <p:nvPr/>
+      </p:nvGrpSpPr>
+      <p:grpSpPr>
+        <a:xfrm>
+          <a:off x="0" y="0"/>
+          <a:ext cx="0" cy="0"/>
+          <a:chOff x="0" y="0"/>
+          <a:chExt cx="0" cy="0"/>
+        </a:xfrm>
+      </p:grpSpPr>
+      <p:sp>
+        <p:nvSpPr>
+          <p:cNvPr id="2" name="Title 1">
+            <a:extLst>
+              <a:ext uri="{FF2B5EF4-FFF2-40B4-BE49-F238E27FC236}">
+                <a16:creationId xmlns:a16="http://schemas.microsoft.com/office/drawing/2014/main" id="{C096E1EB-EAD4-1D4D-F7F9-BD5A77BA13AC}"/>
+              </a:ext>
+            </a:extLst>
+          </p:cNvPr>
+          <p:cNvSpPr>
+            <a:spLocks noGrp="1"/>
+          </p:cNvSpPr>
+          <p:nvPr>
+            <p:ph type="title"/>
+          </p:nvPr>
+        </p:nvSpPr>
+        <p:spPr/>
+        <p:txBody>
+          <a:bodyPr/>
+          <a:lstStyle/>
+          <a:p>
+            <a:r>
+              <a:rPr lang="en-US" dirty="0"/>
+              <a:t>Smoothing effect of GP method</a:t>
+            </a:r>
+          </a:p>
+        </p:txBody>
+      </p:sp>
+      <p:sp>
+        <p:nvSpPr>
+          <p:cNvPr id="4" name="Content Placeholder 3">
+            <a:extLst>
+              <a:ext uri="{FF2B5EF4-FFF2-40B4-BE49-F238E27FC236}">
+                <a16:creationId xmlns:a16="http://schemas.microsoft.com/office/drawing/2014/main" id="{41DEDF33-001C-D6BB-8EB0-6BA8E1591EB9}"/>
+              </a:ext>
+            </a:extLst>
+          </p:cNvPr>
+          <p:cNvSpPr>
+            <a:spLocks noGrp="1"/>
+          </p:cNvSpPr>
+          <p:nvPr>
+            <p:ph idx="1"/>
+          </p:nvPr>
+        </p:nvSpPr>
+        <p:spPr/>
+        <p:txBody>
+          <a:bodyPr vert="horz" lIns="91440" tIns="45720" rIns="91440" bIns="45720" rtlCol="0" anchor="t">
+            <a:normAutofit/>
+          </a:bodyPr>
+          <a:lstStyle/>
+          <a:p>
+            <a:pPr>
+              <a:lnSpc>
+                <a:spcPct val="150000"/>
+              </a:lnSpc>
+            </a:pPr>
+            <a:r>
+              <a:rPr lang="en-US" dirty="0"/>
+              <a:t>To test our GP method, we firstly implemented both method into Lax-Friedrichs scheme and MUSCL-Hancock scheme. </a:t>
+            </a:r>
+            <a:endParaRPr lang="zh-TW" altLang="en-US">
+              <a:ea typeface="微軟正黑體" panose="020B0604030504040204" pitchFamily="34" charset="-120"/>
+            </a:endParaRPr>
+          </a:p>
+          <a:p>
+            <a:pPr>
+              <a:lnSpc>
+                <a:spcPct val="150000"/>
+              </a:lnSpc>
+            </a:pPr>
+            <a:endParaRPr lang="en-US" dirty="0"/>
+          </a:p>
+          <a:p>
+            <a:pPr>
+              <a:lnSpc>
+                <a:spcPct val="150000"/>
+              </a:lnSpc>
+            </a:pPr>
+            <a:r>
+              <a:rPr lang="en-US" dirty="0"/>
+              <a:t>While during the testing, the simulation code can't evolve toward both sides of figure, there're some  smoothing effect appear at shock surface.</a:t>
+            </a:r>
+            <a:endParaRPr lang="zh-TW" altLang="en-US">
+              <a:ea typeface="微軟正黑體" panose="020B0604030504040204" pitchFamily="34" charset="-120"/>
+            </a:endParaRPr>
+          </a:p>
+          <a:p>
+            <a:pPr>
+              <a:lnSpc>
+                <a:spcPct val="150000"/>
+              </a:lnSpc>
+            </a:pPr>
+            <a:endParaRPr lang="zh-TW" altLang="en-US" dirty="0">
+              <a:ea typeface="微軟正黑體"/>
+            </a:endParaRPr>
+          </a:p>
+          <a:p>
+            <a:pPr>
+              <a:lnSpc>
+                <a:spcPct val="150000"/>
+              </a:lnSpc>
+            </a:pPr>
+            <a:endParaRPr lang="en-US"/>
+          </a:p>
+        </p:txBody>
+      </p:sp>
+    </p:spTree>
+    <p:extLst>
+      <p:ext uri="{BB962C8B-B14F-4D97-AF65-F5344CB8AC3E}">
+        <p14:creationId xmlns:p14="http://schemas.microsoft.com/office/powerpoint/2010/main" val="2645555251"/>
+      </p:ext>
+    </p:extLst>
+  </p:cSld>
+  <p:clrMapOvr>
+    <a:masterClrMapping/>
+  </p:clrMapOvr>
+</p:sld>
+</file>
+
+<file path=ppt/slides/slide32.xml><?xml version="1.0" encoding="utf-8"?>
+<p:sld xmlns:a="http://schemas.openxmlformats.org/drawingml/2006/main" xmlns:r="http://schemas.openxmlformats.org/officeDocument/2006/relationships" xmlns:p="http://schemas.openxmlformats.org/presentationml/2006/main">
+  <p:cSld>
+    <p:spTree>
+      <p:nvGrpSpPr>
+        <p:cNvPr id="1" name=""/>
+        <p:cNvGrpSpPr/>
+        <p:nvPr/>
+      </p:nvGrpSpPr>
+      <p:grpSpPr>
+        <a:xfrm>
+          <a:off x="0" y="0"/>
+          <a:ext cx="0" cy="0"/>
+          <a:chOff x="0" y="0"/>
+          <a:chExt cx="0" cy="0"/>
+        </a:xfrm>
+      </p:grpSpPr>
+      <p:sp>
+        <p:nvSpPr>
+          <p:cNvPr id="2" name="Title 1">
+            <a:extLst>
+              <a:ext uri="{FF2B5EF4-FFF2-40B4-BE49-F238E27FC236}">
+                <a16:creationId xmlns:a16="http://schemas.microsoft.com/office/drawing/2014/main" id="{C096E1EB-EAD4-1D4D-F7F9-BD5A77BA13AC}"/>
+              </a:ext>
+            </a:extLst>
+          </p:cNvPr>
+          <p:cNvSpPr>
+            <a:spLocks noGrp="1"/>
+          </p:cNvSpPr>
+          <p:nvPr>
+            <p:ph type="title"/>
+          </p:nvPr>
+        </p:nvSpPr>
+        <p:spPr/>
+        <p:txBody>
+          <a:bodyPr/>
+          <a:lstStyle/>
+          <a:p>
+            <a:r>
+              <a:rPr lang="en-US" dirty="0"/>
+              <a:t>Smoothing effect of GP method</a:t>
+            </a:r>
+            <a:br>
+              <a:rPr lang="en-US" dirty="0"/>
+            </a:br>
+            <a:r>
+              <a:rPr lang="en-US" dirty="0"/>
+              <a:t>In L-F scheme</a:t>
+            </a:r>
+          </a:p>
+        </p:txBody>
+      </p:sp>
+      <p:pic>
+        <p:nvPicPr>
+          <p:cNvPr id="5" name="Content Placeholder 4">
+            <a:extLst>
+              <a:ext uri="{FF2B5EF4-FFF2-40B4-BE49-F238E27FC236}">
+                <a16:creationId xmlns:a16="http://schemas.microsoft.com/office/drawing/2014/main" id="{4567F231-8566-AD0C-FA2A-9466BD562796}"/>
+              </a:ext>
+            </a:extLst>
+          </p:cNvPr>
+          <p:cNvPicPr>
+            <a:picLocks noGrp="1" noChangeAspect="1"/>
+          </p:cNvPicPr>
+          <p:nvPr>
+            <p:ph idx="1"/>
+          </p:nvPr>
+        </p:nvPicPr>
+        <p:blipFill>
+          <a:blip r:embed="rId2"/>
+          <a:stretch>
+            <a:fillRect/>
+          </a:stretch>
+        </p:blipFill>
+        <p:spPr>
+          <a:xfrm>
+            <a:off x="613061" y="1909927"/>
+            <a:ext cx="5486400" cy="4114800"/>
+          </a:xfrm>
+        </p:spPr>
+      </p:pic>
+      <p:pic>
+        <p:nvPicPr>
+          <p:cNvPr id="7" name="Picture 6">
+            <a:extLst>
+              <a:ext uri="{FF2B5EF4-FFF2-40B4-BE49-F238E27FC236}">
+                <a16:creationId xmlns:a16="http://schemas.microsoft.com/office/drawing/2014/main" id="{D06BC383-4C94-CE26-9F18-81F514DA3111}"/>
+              </a:ext>
+            </a:extLst>
+          </p:cNvPr>
+          <p:cNvPicPr>
+            <a:picLocks noChangeAspect="1"/>
+          </p:cNvPicPr>
+          <p:nvPr/>
+        </p:nvPicPr>
+        <p:blipFill>
+          <a:blip r:embed="rId3"/>
+          <a:stretch>
+            <a:fillRect/>
+          </a:stretch>
+        </p:blipFill>
+        <p:spPr>
+          <a:xfrm>
+            <a:off x="6097836" y="1904082"/>
+            <a:ext cx="5486400" cy="4114800"/>
+          </a:xfrm>
+          <a:prstGeom prst="rect">
+            <a:avLst/>
+          </a:prstGeom>
+        </p:spPr>
+      </p:pic>
+    </p:spTree>
+    <p:extLst>
+      <p:ext uri="{BB962C8B-B14F-4D97-AF65-F5344CB8AC3E}">
+        <p14:creationId xmlns:p14="http://schemas.microsoft.com/office/powerpoint/2010/main" val="155509410"/>
+      </p:ext>
+    </p:extLst>
+  </p:cSld>
+  <p:clrMapOvr>
+    <a:masterClrMapping/>
+  </p:clrMapOvr>
+</p:sld>
+</file>
+
+<file path=ppt/slides/slide33.xml><?xml version="1.0" encoding="utf-8"?>
+<p:sld xmlns:a="http://schemas.openxmlformats.org/drawingml/2006/main" xmlns:r="http://schemas.openxmlformats.org/officeDocument/2006/relationships" xmlns:p="http://schemas.openxmlformats.org/presentationml/2006/main">
+  <p:cSld>
+    <p:spTree>
+      <p:nvGrpSpPr>
+        <p:cNvPr id="1" name=""/>
+        <p:cNvGrpSpPr/>
+        <p:nvPr/>
+      </p:nvGrpSpPr>
+      <p:grpSpPr>
+        <a:xfrm>
+          <a:off x="0" y="0"/>
+          <a:ext cx="0" cy="0"/>
+          <a:chOff x="0" y="0"/>
+          <a:chExt cx="0" cy="0"/>
+        </a:xfrm>
+      </p:grpSpPr>
+      <p:sp>
+        <p:nvSpPr>
+          <p:cNvPr id="2" name="Title 1">
+            <a:extLst>
+              <a:ext uri="{FF2B5EF4-FFF2-40B4-BE49-F238E27FC236}">
+                <a16:creationId xmlns:a16="http://schemas.microsoft.com/office/drawing/2014/main" id="{C096E1EB-EAD4-1D4D-F7F9-BD5A77BA13AC}"/>
+              </a:ext>
+            </a:extLst>
+          </p:cNvPr>
+          <p:cNvSpPr>
+            <a:spLocks noGrp="1"/>
+          </p:cNvSpPr>
+          <p:nvPr>
+            <p:ph type="title"/>
+          </p:nvPr>
+        </p:nvSpPr>
+        <p:spPr/>
+        <p:txBody>
+          <a:bodyPr/>
+          <a:lstStyle/>
+          <a:p>
+            <a:r>
+              <a:rPr lang="en-US" dirty="0"/>
+              <a:t>Smoothing effect of GP method</a:t>
+            </a:r>
+            <a:br>
+              <a:rPr lang="en-US" dirty="0"/>
+            </a:br>
+            <a:r>
+              <a:rPr lang="en-US" dirty="0"/>
+              <a:t>In </a:t>
+            </a:r>
+            <a:r>
+              <a:rPr lang="en-US" dirty="0">
+                <a:solidFill>
+                  <a:srgbClr val="262626"/>
+                </a:solidFill>
+                <a:latin typeface="Century Gothic"/>
+              </a:rPr>
+              <a:t>MUSCL-Hancock scheme</a:t>
+            </a:r>
+          </a:p>
+          <a:p>
+            <a:endParaRPr lang="en-US" dirty="0"/>
+          </a:p>
+        </p:txBody>
+      </p:sp>
+      <p:pic>
+        <p:nvPicPr>
+          <p:cNvPr id="3" name="Picture 2">
+            <a:extLst>
+              <a:ext uri="{FF2B5EF4-FFF2-40B4-BE49-F238E27FC236}">
+                <a16:creationId xmlns:a16="http://schemas.microsoft.com/office/drawing/2014/main" id="{29562426-39F0-FB5B-32EC-557BD9641D8B}"/>
+              </a:ext>
+            </a:extLst>
+          </p:cNvPr>
+          <p:cNvPicPr>
+            <a:picLocks noChangeAspect="1"/>
+          </p:cNvPicPr>
+          <p:nvPr/>
+        </p:nvPicPr>
+        <p:blipFill>
+          <a:blip r:embed="rId2"/>
+          <a:stretch>
+            <a:fillRect/>
+          </a:stretch>
+        </p:blipFill>
+        <p:spPr>
+          <a:xfrm>
+            <a:off x="607764" y="1913263"/>
+            <a:ext cx="5486400" cy="4114800"/>
+          </a:xfrm>
+          <a:prstGeom prst="rect">
+            <a:avLst/>
+          </a:prstGeom>
+        </p:spPr>
+      </p:pic>
+      <p:pic>
+        <p:nvPicPr>
+          <p:cNvPr id="8" name="Content Placeholder 7">
+            <a:extLst>
+              <a:ext uri="{FF2B5EF4-FFF2-40B4-BE49-F238E27FC236}">
+                <a16:creationId xmlns:a16="http://schemas.microsoft.com/office/drawing/2014/main" id="{902825A1-CC34-E2C6-BDC3-A6CB1D1A0DCF}"/>
+              </a:ext>
+            </a:extLst>
+          </p:cNvPr>
+          <p:cNvPicPr>
+            <a:picLocks noGrp="1" noChangeAspect="1"/>
+          </p:cNvPicPr>
+          <p:nvPr>
+            <p:ph idx="1"/>
+          </p:nvPr>
+        </p:nvPicPr>
+        <p:blipFill>
+          <a:blip r:embed="rId3"/>
+          <a:stretch>
+            <a:fillRect/>
+          </a:stretch>
+        </p:blipFill>
+        <p:spPr>
+          <a:xfrm>
+            <a:off x="6093953" y="1909927"/>
+            <a:ext cx="5486400" cy="4114800"/>
+          </a:xfrm>
+        </p:spPr>
+      </p:pic>
+    </p:spTree>
+    <p:extLst>
+      <p:ext uri="{BB962C8B-B14F-4D97-AF65-F5344CB8AC3E}">
+        <p14:creationId xmlns:p14="http://schemas.microsoft.com/office/powerpoint/2010/main" val="648954047"/>
+      </p:ext>
+    </p:extLst>
+  </p:cSld>
+  <p:clrMapOvr>
+    <a:masterClrMapping/>
+  </p:clrMapOvr>
+</p:sld>
+</file>
+
+<file path=ppt/slides/slide34.xml><?xml version="1.0" encoding="utf-8"?>
+<p:sld xmlns:a="http://schemas.openxmlformats.org/drawingml/2006/main" xmlns:r="http://schemas.openxmlformats.org/officeDocument/2006/relationships" xmlns:p="http://schemas.openxmlformats.org/presentationml/2006/main">
+  <p:cSld>
+    <p:spTree>
+      <p:nvGrpSpPr>
+        <p:cNvPr id="1" name=""/>
+        <p:cNvGrpSpPr/>
+        <p:nvPr/>
+      </p:nvGrpSpPr>
+      <p:grpSpPr>
+        <a:xfrm>
+          <a:off x="0" y="0"/>
+          <a:ext cx="0" cy="0"/>
+          <a:chOff x="0" y="0"/>
+          <a:chExt cx="0" cy="0"/>
+        </a:xfrm>
+      </p:grpSpPr>
+      <p:sp>
+        <p:nvSpPr>
+          <p:cNvPr id="2" name="Title 1">
+            <a:extLst>
+              <a:ext uri="{FF2B5EF4-FFF2-40B4-BE49-F238E27FC236}">
+                <a16:creationId xmlns:a16="http://schemas.microsoft.com/office/drawing/2014/main" id="{C096E1EB-EAD4-1D4D-F7F9-BD5A77BA13AC}"/>
+              </a:ext>
+            </a:extLst>
+          </p:cNvPr>
+          <p:cNvSpPr>
+            <a:spLocks noGrp="1"/>
+          </p:cNvSpPr>
+          <p:nvPr>
+            <p:ph type="title"/>
+          </p:nvPr>
+        </p:nvSpPr>
+        <p:spPr/>
+        <p:txBody>
+          <a:bodyPr/>
+          <a:lstStyle/>
+          <a:p>
+            <a:r>
+              <a:rPr lang="en-US" dirty="0"/>
+              <a:t>Smoothing effect of GP method</a:t>
+            </a:r>
+          </a:p>
+        </p:txBody>
+      </p:sp>
+      <p:sp>
+        <p:nvSpPr>
+          <p:cNvPr id="4" name="Content Placeholder 3">
+            <a:extLst>
+              <a:ext uri="{FF2B5EF4-FFF2-40B4-BE49-F238E27FC236}">
+                <a16:creationId xmlns:a16="http://schemas.microsoft.com/office/drawing/2014/main" id="{41DEDF33-001C-D6BB-8EB0-6BA8E1591EB9}"/>
+              </a:ext>
+            </a:extLst>
+          </p:cNvPr>
+          <p:cNvSpPr>
+            <a:spLocks noGrp="1"/>
+          </p:cNvSpPr>
+          <p:nvPr>
+            <p:ph idx="1"/>
+          </p:nvPr>
+        </p:nvSpPr>
+        <p:spPr/>
+        <p:txBody>
+          <a:bodyPr vert="horz" lIns="91440" tIns="45720" rIns="91440" bIns="45720" rtlCol="0" anchor="t">
+            <a:normAutofit/>
+          </a:bodyPr>
+          <a:lstStyle/>
+          <a:p>
+            <a:pPr>
+              <a:lnSpc>
+                <a:spcPct val="150000"/>
+              </a:lnSpc>
+            </a:pPr>
+            <a:r>
+              <a:rPr lang="en-US" dirty="0"/>
+              <a:t>Our GP method seemly at least inherent its smoothing nature at abrupt changed shock surface. </a:t>
+            </a:r>
+            <a:endParaRPr lang="en-US"/>
+          </a:p>
+          <a:p>
+            <a:pPr>
+              <a:lnSpc>
+                <a:spcPct val="150000"/>
+              </a:lnSpc>
+            </a:pPr>
+            <a:endParaRPr lang="en-US" dirty="0"/>
+          </a:p>
+          <a:p>
+            <a:pPr>
+              <a:lnSpc>
+                <a:spcPct val="150000"/>
+              </a:lnSpc>
+            </a:pPr>
+            <a:r>
+              <a:rPr lang="en-US" dirty="0"/>
+              <a:t>When we couple GP method with WENO method, the oscillating parts in the figure will be more smooth than pure GP method. </a:t>
+            </a:r>
+          </a:p>
+        </p:txBody>
+      </p:sp>
+    </p:spTree>
+    <p:extLst>
+      <p:ext uri="{BB962C8B-B14F-4D97-AF65-F5344CB8AC3E}">
+        <p14:creationId xmlns:p14="http://schemas.microsoft.com/office/powerpoint/2010/main" val="1588401843"/>
       </p:ext>
     </p:extLst>
   </p:cSld>
